--- a/trunk/Workshop 3/e. Transition Road Map - breakup 3.pptx
+++ b/trunk/Workshop 3/e. Transition Road Map - breakup 3.pptx
@@ -9,6 +9,8 @@
     <p:sldId id="257" r:id="rId3"/>
     <p:sldId id="258" r:id="rId4"/>
     <p:sldId id="259" r:id="rId5"/>
+    <p:sldId id="260" r:id="rId6"/>
+    <p:sldId id="261" r:id="rId7"/>
   </p:sldIdLst>
   <p:sldSz cx="9144000" cy="6858000" type="screen4x3"/>
   <p:notesSz cx="6858000" cy="9144000"/>
@@ -291,7 +293,7 @@
           <a:p>
             <a:fld id="{C05431B6-82CF-43EE-8683-8936AB6B7D9E}" type="datetimeFigureOut">
               <a:rPr lang="en-US" smtClean="0"/>
-              <a:t>4/3/2014</a:t>
+              <a:t>4/4/2014</a:t>
             </a:fld>
             <a:endParaRPr lang="en-US"/>
           </a:p>
@@ -461,7 +463,7 @@
           <a:p>
             <a:fld id="{C05431B6-82CF-43EE-8683-8936AB6B7D9E}" type="datetimeFigureOut">
               <a:rPr lang="en-US" smtClean="0"/>
-              <a:t>4/3/2014</a:t>
+              <a:t>4/4/2014</a:t>
             </a:fld>
             <a:endParaRPr lang="en-US"/>
           </a:p>
@@ -641,7 +643,7 @@
           <a:p>
             <a:fld id="{C05431B6-82CF-43EE-8683-8936AB6B7D9E}" type="datetimeFigureOut">
               <a:rPr lang="en-US" smtClean="0"/>
-              <a:t>4/3/2014</a:t>
+              <a:t>4/4/2014</a:t>
             </a:fld>
             <a:endParaRPr lang="en-US"/>
           </a:p>
@@ -811,7 +813,7 @@
           <a:p>
             <a:fld id="{C05431B6-82CF-43EE-8683-8936AB6B7D9E}" type="datetimeFigureOut">
               <a:rPr lang="en-US" smtClean="0"/>
-              <a:t>4/3/2014</a:t>
+              <a:t>4/4/2014</a:t>
             </a:fld>
             <a:endParaRPr lang="en-US"/>
           </a:p>
@@ -1057,7 +1059,7 @@
           <a:p>
             <a:fld id="{C05431B6-82CF-43EE-8683-8936AB6B7D9E}" type="datetimeFigureOut">
               <a:rPr lang="en-US" smtClean="0"/>
-              <a:t>4/3/2014</a:t>
+              <a:t>4/4/2014</a:t>
             </a:fld>
             <a:endParaRPr lang="en-US"/>
           </a:p>
@@ -1345,7 +1347,7 @@
           <a:p>
             <a:fld id="{C05431B6-82CF-43EE-8683-8936AB6B7D9E}" type="datetimeFigureOut">
               <a:rPr lang="en-US" smtClean="0"/>
-              <a:t>4/3/2014</a:t>
+              <a:t>4/4/2014</a:t>
             </a:fld>
             <a:endParaRPr lang="en-US"/>
           </a:p>
@@ -1767,7 +1769,7 @@
           <a:p>
             <a:fld id="{C05431B6-82CF-43EE-8683-8936AB6B7D9E}" type="datetimeFigureOut">
               <a:rPr lang="en-US" smtClean="0"/>
-              <a:t>4/3/2014</a:t>
+              <a:t>4/4/2014</a:t>
             </a:fld>
             <a:endParaRPr lang="en-US"/>
           </a:p>
@@ -1885,7 +1887,7 @@
           <a:p>
             <a:fld id="{C05431B6-82CF-43EE-8683-8936AB6B7D9E}" type="datetimeFigureOut">
               <a:rPr lang="en-US" smtClean="0"/>
-              <a:t>4/3/2014</a:t>
+              <a:t>4/4/2014</a:t>
             </a:fld>
             <a:endParaRPr lang="en-US"/>
           </a:p>
@@ -1980,7 +1982,7 @@
           <a:p>
             <a:fld id="{C05431B6-82CF-43EE-8683-8936AB6B7D9E}" type="datetimeFigureOut">
               <a:rPr lang="en-US" smtClean="0"/>
-              <a:t>4/3/2014</a:t>
+              <a:t>4/4/2014</a:t>
             </a:fld>
             <a:endParaRPr lang="en-US"/>
           </a:p>
@@ -2257,7 +2259,7 @@
           <a:p>
             <a:fld id="{C05431B6-82CF-43EE-8683-8936AB6B7D9E}" type="datetimeFigureOut">
               <a:rPr lang="en-US" smtClean="0"/>
-              <a:t>4/3/2014</a:t>
+              <a:t>4/4/2014</a:t>
             </a:fld>
             <a:endParaRPr lang="en-US"/>
           </a:p>
@@ -2510,7 +2512,7 @@
           <a:p>
             <a:fld id="{C05431B6-82CF-43EE-8683-8936AB6B7D9E}" type="datetimeFigureOut">
               <a:rPr lang="en-US" smtClean="0"/>
-              <a:t>4/3/2014</a:t>
+              <a:t>4/4/2014</a:t>
             </a:fld>
             <a:endParaRPr lang="en-US"/>
           </a:p>
@@ -2723,7 +2725,7 @@
           <a:p>
             <a:fld id="{C05431B6-82CF-43EE-8683-8936AB6B7D9E}" type="datetimeFigureOut">
               <a:rPr lang="en-US" smtClean="0"/>
-              <a:t>4/3/2014</a:t>
+              <a:t>4/4/2014</a:t>
             </a:fld>
             <a:endParaRPr lang="en-US"/>
           </a:p>
@@ -3433,7 +3435,7 @@
           <a:graphicData uri="http://schemas.openxmlformats.org/presentationml/2006/ole">
             <mc:AlternateContent xmlns:mc="http://schemas.openxmlformats.org/markup-compatibility/2006">
               <mc:Choice xmlns:v="urn:schemas-microsoft-com:vml" Requires="v">
-                <p:oleObj spid="_x0000_s2055" name="Visio" r:id="rId3" imgW="6434311" imgH="5448879" progId="Visio.Drawing.11">
+                <p:oleObj spid="_x0000_s2056" name="Visio" r:id="rId3" imgW="6434311" imgH="5448879" progId="Visio.Drawing.11">
                   <p:embed/>
                 </p:oleObj>
               </mc:Choice>
@@ -4279,6 +4281,1768 @@
     <p:extLst>
       <p:ext uri="{BB962C8B-B14F-4D97-AF65-F5344CB8AC3E}">
         <p14:creationId xmlns:p14="http://schemas.microsoft.com/office/powerpoint/2010/main" val="3342063395"/>
+      </p:ext>
+    </p:extLst>
+  </p:cSld>
+  <p:clrMapOvr>
+    <a:masterClrMapping/>
+  </p:clrMapOvr>
+</p:sld>
+</file>
+
+<file path=ppt/slides/slide5.xml><?xml version="1.0" encoding="utf-8"?>
+<p:sld xmlns:a="http://schemas.openxmlformats.org/drawingml/2006/main" xmlns:r="http://schemas.openxmlformats.org/officeDocument/2006/relationships" xmlns:p="http://schemas.openxmlformats.org/presentationml/2006/main">
+  <p:cSld>
+    <p:spTree>
+      <p:nvGrpSpPr>
+        <p:cNvPr id="1" name=""/>
+        <p:cNvGrpSpPr/>
+        <p:nvPr/>
+      </p:nvGrpSpPr>
+      <p:grpSpPr>
+        <a:xfrm>
+          <a:off x="0" y="0"/>
+          <a:ext cx="0" cy="0"/>
+          <a:chOff x="0" y="0"/>
+          <a:chExt cx="0" cy="0"/>
+        </a:xfrm>
+      </p:grpSpPr>
+      <p:pic>
+        <p:nvPicPr>
+          <p:cNvPr id="3074" name="Chart 1"/>
+          <p:cNvPicPr>
+            <a:picLocks noChangeArrowheads="1"/>
+          </p:cNvPicPr>
+          <p:nvPr/>
+        </p:nvPicPr>
+        <p:blipFill>
+          <a:blip r:embed="rId2">
+            <a:extLst>
+              <a:ext uri="{28A0092B-C50C-407E-A947-70E740481C1C}">
+                <a14:useLocalDpi xmlns:a14="http://schemas.microsoft.com/office/drawing/2010/main" val="0"/>
+              </a:ext>
+            </a:extLst>
+          </a:blip>
+          <a:srcRect/>
+          <a:stretch>
+            <a:fillRect/>
+          </a:stretch>
+        </p:blipFill>
+        <p:spPr bwMode="auto">
+          <a:xfrm>
+            <a:off x="116006" y="1371600"/>
+            <a:ext cx="5381625" cy="4502150"/>
+          </a:xfrm>
+          <a:prstGeom prst="rect">
+            <a:avLst/>
+          </a:prstGeom>
+          <a:noFill/>
+          <a:ln>
+            <a:noFill/>
+          </a:ln>
+          <a:extLst>
+            <a:ext uri="{909E8E84-426E-40DD-AFC4-6F175D3DCCD1}">
+              <a14:hiddenFill xmlns:a14="http://schemas.microsoft.com/office/drawing/2010/main">
+                <a:solidFill>
+                  <a:srgbClr val="FFFFFF"/>
+                </a:solidFill>
+              </a14:hiddenFill>
+            </a:ext>
+            <a:ext uri="{91240B29-F687-4F45-9708-019B960494DF}">
+              <a14:hiddenLine xmlns:a14="http://schemas.microsoft.com/office/drawing/2010/main" w="9525">
+                <a:solidFill>
+                  <a:srgbClr val="000000"/>
+                </a:solidFill>
+                <a:miter lim="800000"/>
+                <a:headEnd/>
+                <a:tailEnd/>
+              </a14:hiddenLine>
+            </a:ext>
+          </a:extLst>
+        </p:spPr>
+      </p:pic>
+      <p:graphicFrame>
+        <p:nvGraphicFramePr>
+          <p:cNvPr id="2" name="Table 1"/>
+          <p:cNvGraphicFramePr>
+            <a:graphicFrameLocks noGrp="1"/>
+          </p:cNvGraphicFramePr>
+          <p:nvPr>
+            <p:extLst>
+              <p:ext uri="{D42A27DB-BD31-4B8C-83A1-F6EECF244321}">
+                <p14:modId xmlns:p14="http://schemas.microsoft.com/office/powerpoint/2010/main" val="743317205"/>
+              </p:ext>
+            </p:extLst>
+          </p:nvPr>
+        </p:nvGraphicFramePr>
+        <p:xfrm>
+          <a:off x="5715000" y="1436983"/>
+          <a:ext cx="3186112" cy="4371383"/>
+        </p:xfrm>
+        <a:graphic>
+          <a:graphicData uri="http://schemas.openxmlformats.org/drawingml/2006/table">
+            <a:tbl>
+              <a:tblPr firstRow="1" firstCol="1" bandRow="1">
+                <a:tableStyleId>{5C22544A-7EE6-4342-B048-85BDC9FD1C3A}</a:tableStyleId>
+              </a:tblPr>
+              <a:tblGrid>
+                <a:gridCol w="558780"/>
+                <a:gridCol w="1313666"/>
+                <a:gridCol w="1313666"/>
+              </a:tblGrid>
+              <a:tr h="272757">
+                <a:tc>
+                  <a:txBody>
+                    <a:bodyPr/>
+                    <a:lstStyle/>
+                    <a:p>
+                      <a:endParaRPr lang="en-US" sz="1000" dirty="0">
+                        <a:effectLst/>
+                        <a:latin typeface="Cambria"/>
+                      </a:endParaRPr>
+                    </a:p>
+                  </a:txBody>
+                  <a:tcPr marL="68580" marR="68580" marT="0" marB="0" anchor="b"/>
+                </a:tc>
+                <a:tc>
+                  <a:txBody>
+                    <a:bodyPr/>
+                    <a:lstStyle/>
+                    <a:p>
+                      <a:pPr marL="0" marR="0">
+                        <a:lnSpc>
+                          <a:spcPct val="105000"/>
+                        </a:lnSpc>
+                        <a:spcBef>
+                          <a:spcPts val="0"/>
+                        </a:spcBef>
+                        <a:spcAft>
+                          <a:spcPts val="0"/>
+                        </a:spcAft>
+                      </a:pPr>
+                      <a:r>
+                        <a:rPr lang="en-US" sz="1400">
+                          <a:effectLst/>
+                        </a:rPr>
+                        <a:t>Projects</a:t>
+                      </a:r>
+                      <a:endParaRPr lang="en-US" sz="1100">
+                        <a:effectLst/>
+                        <a:latin typeface="Cambria"/>
+                        <a:ea typeface="Times New Roman"/>
+                        <a:cs typeface="Times New Roman"/>
+                      </a:endParaRPr>
+                    </a:p>
+                  </a:txBody>
+                  <a:tcPr marL="68580" marR="68580" marT="0" marB="0" anchor="b"/>
+                </a:tc>
+                <a:tc>
+                  <a:txBody>
+                    <a:bodyPr/>
+                    <a:lstStyle/>
+                    <a:p>
+                      <a:pPr marL="0" marR="0">
+                        <a:lnSpc>
+                          <a:spcPct val="105000"/>
+                        </a:lnSpc>
+                        <a:spcBef>
+                          <a:spcPts val="0"/>
+                        </a:spcBef>
+                        <a:spcAft>
+                          <a:spcPts val="0"/>
+                        </a:spcAft>
+                      </a:pPr>
+                      <a:r>
+                        <a:rPr lang="en-US" sz="1400">
+                          <a:effectLst/>
+                        </a:rPr>
+                        <a:t>Ownership</a:t>
+                      </a:r>
+                      <a:endParaRPr lang="en-US" sz="1100">
+                        <a:effectLst/>
+                        <a:latin typeface="Cambria"/>
+                        <a:ea typeface="Times New Roman"/>
+                        <a:cs typeface="Times New Roman"/>
+                      </a:endParaRPr>
+                    </a:p>
+                  </a:txBody>
+                  <a:tcPr marL="68580" marR="68580" marT="0" marB="0" anchor="b"/>
+                </a:tc>
+              </a:tr>
+              <a:tr h="209813">
+                <a:tc rowSpan="5">
+                  <a:txBody>
+                    <a:bodyPr/>
+                    <a:lstStyle/>
+                    <a:p>
+                      <a:pPr marL="0" marR="0" algn="ctr">
+                        <a:lnSpc>
+                          <a:spcPct val="105000"/>
+                        </a:lnSpc>
+                        <a:spcBef>
+                          <a:spcPts val="0"/>
+                        </a:spcBef>
+                        <a:spcAft>
+                          <a:spcPts val="0"/>
+                        </a:spcAft>
+                      </a:pPr>
+                      <a:r>
+                        <a:rPr lang="en-US" sz="2000">
+                          <a:effectLst/>
+                        </a:rPr>
+                        <a:t>Phase 1</a:t>
+                      </a:r>
+                      <a:endParaRPr lang="en-US" sz="1100">
+                        <a:effectLst/>
+                        <a:latin typeface="Cambria"/>
+                        <a:ea typeface="Times New Roman"/>
+                        <a:cs typeface="Times New Roman"/>
+                      </a:endParaRPr>
+                    </a:p>
+                  </a:txBody>
+                  <a:tcPr marL="68580" marR="68580" marT="0" marB="0" vert="vert270" anchor="b"/>
+                </a:tc>
+                <a:tc>
+                  <a:txBody>
+                    <a:bodyPr/>
+                    <a:lstStyle/>
+                    <a:p>
+                      <a:pPr marL="0" marR="0">
+                        <a:lnSpc>
+                          <a:spcPct val="105000"/>
+                        </a:lnSpc>
+                        <a:spcBef>
+                          <a:spcPts val="0"/>
+                        </a:spcBef>
+                        <a:spcAft>
+                          <a:spcPts val="0"/>
+                        </a:spcAft>
+                      </a:pPr>
+                      <a:r>
+                        <a:rPr lang="en-US" sz="1000" dirty="0">
+                          <a:effectLst/>
+                        </a:rPr>
+                        <a:t>ESB</a:t>
+                      </a:r>
+                      <a:endParaRPr lang="en-US" sz="1100" dirty="0">
+                        <a:effectLst/>
+                        <a:latin typeface="Cambria"/>
+                        <a:ea typeface="Times New Roman"/>
+                        <a:cs typeface="Times New Roman"/>
+                      </a:endParaRPr>
+                    </a:p>
+                  </a:txBody>
+                  <a:tcPr marL="68580" marR="68580" marT="0" marB="0" anchor="b">
+                    <a:solidFill>
+                      <a:schemeClr val="accent3">
+                        <a:lumMod val="60000"/>
+                        <a:lumOff val="40000"/>
+                      </a:schemeClr>
+                    </a:solidFill>
+                  </a:tcPr>
+                </a:tc>
+                <a:tc>
+                  <a:txBody>
+                    <a:bodyPr/>
+                    <a:lstStyle/>
+                    <a:p>
+                      <a:pPr marL="0" marR="0">
+                        <a:lnSpc>
+                          <a:spcPct val="105000"/>
+                        </a:lnSpc>
+                        <a:spcBef>
+                          <a:spcPts val="0"/>
+                        </a:spcBef>
+                        <a:spcAft>
+                          <a:spcPts val="0"/>
+                        </a:spcAft>
+                      </a:pPr>
+                      <a:r>
+                        <a:rPr lang="en-US" sz="1000">
+                          <a:effectLst/>
+                        </a:rPr>
+                        <a:t>IT/Operations</a:t>
+                      </a:r>
+                      <a:endParaRPr lang="en-US" sz="1100">
+                        <a:effectLst/>
+                        <a:latin typeface="Cambria"/>
+                        <a:ea typeface="Times New Roman"/>
+                        <a:cs typeface="Times New Roman"/>
+                      </a:endParaRPr>
+                    </a:p>
+                  </a:txBody>
+                  <a:tcPr marL="68580" marR="68580" marT="0" marB="0" anchor="b">
+                    <a:solidFill>
+                      <a:schemeClr val="accent3">
+                        <a:lumMod val="60000"/>
+                        <a:lumOff val="40000"/>
+                      </a:schemeClr>
+                    </a:solidFill>
+                  </a:tcPr>
+                </a:tc>
+              </a:tr>
+              <a:tr h="344233">
+                <a:tc vMerge="1">
+                  <a:txBody>
+                    <a:bodyPr/>
+                    <a:lstStyle/>
+                    <a:p>
+                      <a:endParaRPr lang="en-US"/>
+                    </a:p>
+                  </a:txBody>
+                  <a:tcPr/>
+                </a:tc>
+                <a:tc>
+                  <a:txBody>
+                    <a:bodyPr/>
+                    <a:lstStyle/>
+                    <a:p>
+                      <a:pPr marL="0" marR="0">
+                        <a:lnSpc>
+                          <a:spcPct val="105000"/>
+                        </a:lnSpc>
+                        <a:spcBef>
+                          <a:spcPts val="0"/>
+                        </a:spcBef>
+                        <a:spcAft>
+                          <a:spcPts val="0"/>
+                        </a:spcAft>
+                      </a:pPr>
+                      <a:r>
+                        <a:rPr lang="en-US" sz="1000">
+                          <a:effectLst/>
+                        </a:rPr>
+                        <a:t>VCMS</a:t>
+                      </a:r>
+                      <a:endParaRPr lang="en-US" sz="1100">
+                        <a:effectLst/>
+                        <a:latin typeface="Cambria"/>
+                        <a:ea typeface="Times New Roman"/>
+                        <a:cs typeface="Times New Roman"/>
+                      </a:endParaRPr>
+                    </a:p>
+                  </a:txBody>
+                  <a:tcPr marL="68580" marR="68580" marT="0" marB="0" anchor="b">
+                    <a:solidFill>
+                      <a:schemeClr val="accent3">
+                        <a:lumMod val="60000"/>
+                        <a:lumOff val="40000"/>
+                      </a:schemeClr>
+                    </a:solidFill>
+                  </a:tcPr>
+                </a:tc>
+                <a:tc>
+                  <a:txBody>
+                    <a:bodyPr/>
+                    <a:lstStyle/>
+                    <a:p>
+                      <a:pPr marL="0" marR="0">
+                        <a:lnSpc>
+                          <a:spcPct val="105000"/>
+                        </a:lnSpc>
+                        <a:spcBef>
+                          <a:spcPts val="0"/>
+                        </a:spcBef>
+                        <a:spcAft>
+                          <a:spcPts val="0"/>
+                        </a:spcAft>
+                      </a:pPr>
+                      <a:r>
+                        <a:rPr lang="en-US" sz="1000">
+                          <a:effectLst/>
+                        </a:rPr>
+                        <a:t>Container Management Team</a:t>
+                      </a:r>
+                      <a:endParaRPr lang="en-US" sz="1100">
+                        <a:effectLst/>
+                        <a:latin typeface="Cambria"/>
+                        <a:ea typeface="Times New Roman"/>
+                        <a:cs typeface="Times New Roman"/>
+                      </a:endParaRPr>
+                    </a:p>
+                  </a:txBody>
+                  <a:tcPr marL="68580" marR="68580" marT="0" marB="0" anchor="b">
+                    <a:solidFill>
+                      <a:schemeClr val="accent3">
+                        <a:lumMod val="60000"/>
+                        <a:lumOff val="40000"/>
+                      </a:schemeClr>
+                    </a:solidFill>
+                  </a:tcPr>
+                </a:tc>
+              </a:tr>
+              <a:tr h="209813">
+                <a:tc vMerge="1">
+                  <a:txBody>
+                    <a:bodyPr/>
+                    <a:lstStyle/>
+                    <a:p>
+                      <a:endParaRPr lang="en-US"/>
+                    </a:p>
+                  </a:txBody>
+                  <a:tcPr/>
+                </a:tc>
+                <a:tc>
+                  <a:txBody>
+                    <a:bodyPr/>
+                    <a:lstStyle/>
+                    <a:p>
+                      <a:pPr marL="0" marR="0">
+                        <a:lnSpc>
+                          <a:spcPct val="105000"/>
+                        </a:lnSpc>
+                        <a:spcBef>
+                          <a:spcPts val="0"/>
+                        </a:spcBef>
+                        <a:spcAft>
+                          <a:spcPts val="0"/>
+                        </a:spcAft>
+                      </a:pPr>
+                      <a:r>
+                        <a:rPr lang="en-US" sz="1000">
+                          <a:effectLst/>
+                        </a:rPr>
+                        <a:t>IE</a:t>
+                      </a:r>
+                      <a:endParaRPr lang="en-US" sz="1100">
+                        <a:effectLst/>
+                        <a:latin typeface="Cambria"/>
+                        <a:ea typeface="Times New Roman"/>
+                        <a:cs typeface="Times New Roman"/>
+                      </a:endParaRPr>
+                    </a:p>
+                  </a:txBody>
+                  <a:tcPr marL="68580" marR="68580" marT="0" marB="0" anchor="b">
+                    <a:solidFill>
+                      <a:schemeClr val="accent3">
+                        <a:lumMod val="60000"/>
+                        <a:lumOff val="40000"/>
+                      </a:schemeClr>
+                    </a:solidFill>
+                  </a:tcPr>
+                </a:tc>
+                <a:tc>
+                  <a:txBody>
+                    <a:bodyPr/>
+                    <a:lstStyle/>
+                    <a:p>
+                      <a:pPr marL="0" marR="0">
+                        <a:lnSpc>
+                          <a:spcPct val="105000"/>
+                        </a:lnSpc>
+                        <a:spcBef>
+                          <a:spcPts val="0"/>
+                        </a:spcBef>
+                        <a:spcAft>
+                          <a:spcPts val="0"/>
+                        </a:spcAft>
+                      </a:pPr>
+                      <a:r>
+                        <a:rPr lang="en-US" sz="1000">
+                          <a:effectLst/>
+                        </a:rPr>
+                        <a:t>IT/Operations</a:t>
+                      </a:r>
+                      <a:endParaRPr lang="en-US" sz="1100">
+                        <a:effectLst/>
+                        <a:latin typeface="Cambria"/>
+                        <a:ea typeface="Times New Roman"/>
+                        <a:cs typeface="Times New Roman"/>
+                      </a:endParaRPr>
+                    </a:p>
+                  </a:txBody>
+                  <a:tcPr marL="68580" marR="68580" marT="0" marB="0" anchor="b">
+                    <a:solidFill>
+                      <a:schemeClr val="accent3">
+                        <a:lumMod val="60000"/>
+                        <a:lumOff val="40000"/>
+                      </a:schemeClr>
+                    </a:solidFill>
+                  </a:tcPr>
+                </a:tc>
+              </a:tr>
+              <a:tr h="344233">
+                <a:tc vMerge="1">
+                  <a:txBody>
+                    <a:bodyPr/>
+                    <a:lstStyle/>
+                    <a:p>
+                      <a:endParaRPr lang="en-US"/>
+                    </a:p>
+                  </a:txBody>
+                  <a:tcPr/>
+                </a:tc>
+                <a:tc>
+                  <a:txBody>
+                    <a:bodyPr/>
+                    <a:lstStyle/>
+                    <a:p>
+                      <a:pPr marL="0" marR="0">
+                        <a:lnSpc>
+                          <a:spcPct val="105000"/>
+                        </a:lnSpc>
+                        <a:spcBef>
+                          <a:spcPts val="0"/>
+                        </a:spcBef>
+                        <a:spcAft>
+                          <a:spcPts val="0"/>
+                        </a:spcAft>
+                      </a:pPr>
+                      <a:r>
+                        <a:rPr lang="en-US" sz="1000">
+                          <a:effectLst/>
+                        </a:rPr>
+                        <a:t>Web portal</a:t>
+                      </a:r>
+                      <a:endParaRPr lang="en-US" sz="1100">
+                        <a:effectLst/>
+                        <a:latin typeface="Cambria"/>
+                        <a:ea typeface="Times New Roman"/>
+                        <a:cs typeface="Times New Roman"/>
+                      </a:endParaRPr>
+                    </a:p>
+                  </a:txBody>
+                  <a:tcPr marL="68580" marR="68580" marT="0" marB="0" anchor="b">
+                    <a:solidFill>
+                      <a:schemeClr val="accent3">
+                        <a:lumMod val="60000"/>
+                        <a:lumOff val="40000"/>
+                      </a:schemeClr>
+                    </a:solidFill>
+                  </a:tcPr>
+                </a:tc>
+                <a:tc>
+                  <a:txBody>
+                    <a:bodyPr/>
+                    <a:lstStyle/>
+                    <a:p>
+                      <a:pPr marL="0" marR="0">
+                        <a:lnSpc>
+                          <a:spcPct val="105000"/>
+                        </a:lnSpc>
+                        <a:spcBef>
+                          <a:spcPts val="0"/>
+                        </a:spcBef>
+                        <a:spcAft>
+                          <a:spcPts val="0"/>
+                        </a:spcAft>
+                      </a:pPr>
+                      <a:r>
+                        <a:rPr lang="en-US" sz="1000">
+                          <a:effectLst/>
+                        </a:rPr>
+                        <a:t>Container Management Team</a:t>
+                      </a:r>
+                      <a:endParaRPr lang="en-US" sz="1100">
+                        <a:effectLst/>
+                        <a:latin typeface="Cambria"/>
+                        <a:ea typeface="Times New Roman"/>
+                        <a:cs typeface="Times New Roman"/>
+                      </a:endParaRPr>
+                    </a:p>
+                  </a:txBody>
+                  <a:tcPr marL="68580" marR="68580" marT="0" marB="0" anchor="b">
+                    <a:solidFill>
+                      <a:schemeClr val="accent3">
+                        <a:lumMod val="60000"/>
+                        <a:lumOff val="40000"/>
+                      </a:schemeClr>
+                    </a:solidFill>
+                  </a:tcPr>
+                </a:tc>
+              </a:tr>
+              <a:tr h="344233">
+                <a:tc vMerge="1">
+                  <a:txBody>
+                    <a:bodyPr/>
+                    <a:lstStyle/>
+                    <a:p>
+                      <a:endParaRPr lang="en-US"/>
+                    </a:p>
+                  </a:txBody>
+                  <a:tcPr/>
+                </a:tc>
+                <a:tc>
+                  <a:txBody>
+                    <a:bodyPr/>
+                    <a:lstStyle/>
+                    <a:p>
+                      <a:pPr marL="0" marR="0">
+                        <a:lnSpc>
+                          <a:spcPct val="105000"/>
+                        </a:lnSpc>
+                        <a:spcBef>
+                          <a:spcPts val="0"/>
+                        </a:spcBef>
+                        <a:spcAft>
+                          <a:spcPts val="0"/>
+                        </a:spcAft>
+                      </a:pPr>
+                      <a:r>
+                        <a:rPr lang="en-US" sz="1000">
+                          <a:effectLst/>
+                        </a:rPr>
+                        <a:t>Reports</a:t>
+                      </a:r>
+                      <a:endParaRPr lang="en-US" sz="1100">
+                        <a:effectLst/>
+                        <a:latin typeface="Cambria"/>
+                        <a:ea typeface="Times New Roman"/>
+                        <a:cs typeface="Times New Roman"/>
+                      </a:endParaRPr>
+                    </a:p>
+                  </a:txBody>
+                  <a:tcPr marL="68580" marR="68580" marT="0" marB="0" anchor="b">
+                    <a:solidFill>
+                      <a:schemeClr val="accent3">
+                        <a:lumMod val="60000"/>
+                        <a:lumOff val="40000"/>
+                      </a:schemeClr>
+                    </a:solidFill>
+                  </a:tcPr>
+                </a:tc>
+                <a:tc>
+                  <a:txBody>
+                    <a:bodyPr/>
+                    <a:lstStyle/>
+                    <a:p>
+                      <a:pPr marL="0" marR="0">
+                        <a:lnSpc>
+                          <a:spcPct val="105000"/>
+                        </a:lnSpc>
+                        <a:spcBef>
+                          <a:spcPts val="0"/>
+                        </a:spcBef>
+                        <a:spcAft>
+                          <a:spcPts val="0"/>
+                        </a:spcAft>
+                      </a:pPr>
+                      <a:r>
+                        <a:rPr lang="en-US" sz="1000" dirty="0">
+                          <a:effectLst/>
+                        </a:rPr>
+                        <a:t>Container Management Team</a:t>
+                      </a:r>
+                      <a:endParaRPr lang="en-US" sz="1100" dirty="0">
+                        <a:effectLst/>
+                        <a:latin typeface="Cambria"/>
+                        <a:ea typeface="Times New Roman"/>
+                        <a:cs typeface="Times New Roman"/>
+                      </a:endParaRPr>
+                    </a:p>
+                  </a:txBody>
+                  <a:tcPr marL="68580" marR="68580" marT="0" marB="0" anchor="b">
+                    <a:solidFill>
+                      <a:schemeClr val="accent3">
+                        <a:lumMod val="60000"/>
+                        <a:lumOff val="40000"/>
+                      </a:schemeClr>
+                    </a:solidFill>
+                  </a:tcPr>
+                </a:tc>
+              </a:tr>
+              <a:tr h="344233">
+                <a:tc rowSpan="5">
+                  <a:txBody>
+                    <a:bodyPr/>
+                    <a:lstStyle/>
+                    <a:p>
+                      <a:pPr marL="0" marR="0" algn="ctr">
+                        <a:lnSpc>
+                          <a:spcPct val="105000"/>
+                        </a:lnSpc>
+                        <a:spcBef>
+                          <a:spcPts val="0"/>
+                        </a:spcBef>
+                        <a:spcAft>
+                          <a:spcPts val="0"/>
+                        </a:spcAft>
+                      </a:pPr>
+                      <a:r>
+                        <a:rPr lang="en-US" sz="2000">
+                          <a:effectLst/>
+                        </a:rPr>
+                        <a:t>Phase 2</a:t>
+                      </a:r>
+                      <a:endParaRPr lang="en-US" sz="1100">
+                        <a:effectLst/>
+                        <a:latin typeface="Cambria"/>
+                        <a:ea typeface="Times New Roman"/>
+                        <a:cs typeface="Times New Roman"/>
+                      </a:endParaRPr>
+                    </a:p>
+                  </a:txBody>
+                  <a:tcPr marL="68580" marR="68580" marT="0" marB="0" vert="vert270" anchor="b"/>
+                </a:tc>
+                <a:tc>
+                  <a:txBody>
+                    <a:bodyPr/>
+                    <a:lstStyle/>
+                    <a:p>
+                      <a:pPr marL="0" marR="0">
+                        <a:lnSpc>
+                          <a:spcPct val="105000"/>
+                        </a:lnSpc>
+                        <a:spcBef>
+                          <a:spcPts val="0"/>
+                        </a:spcBef>
+                        <a:spcAft>
+                          <a:spcPts val="0"/>
+                        </a:spcAft>
+                      </a:pPr>
+                      <a:r>
+                        <a:rPr lang="en-US" sz="1000" dirty="0">
+                          <a:effectLst/>
+                        </a:rPr>
+                        <a:t>SCBS</a:t>
+                      </a:r>
+                      <a:endParaRPr lang="en-US" sz="1100" dirty="0">
+                        <a:effectLst/>
+                        <a:latin typeface="Cambria"/>
+                        <a:ea typeface="Times New Roman"/>
+                        <a:cs typeface="Times New Roman"/>
+                      </a:endParaRPr>
+                    </a:p>
+                  </a:txBody>
+                  <a:tcPr marL="68580" marR="68580" marT="0" marB="0" anchor="b">
+                    <a:solidFill>
+                      <a:schemeClr val="accent2">
+                        <a:lumMod val="60000"/>
+                        <a:lumOff val="40000"/>
+                      </a:schemeClr>
+                    </a:solidFill>
+                  </a:tcPr>
+                </a:tc>
+                <a:tc>
+                  <a:txBody>
+                    <a:bodyPr/>
+                    <a:lstStyle/>
+                    <a:p>
+                      <a:pPr marL="0" marR="0">
+                        <a:lnSpc>
+                          <a:spcPct val="105000"/>
+                        </a:lnSpc>
+                        <a:spcBef>
+                          <a:spcPts val="0"/>
+                        </a:spcBef>
+                        <a:spcAft>
+                          <a:spcPts val="0"/>
+                        </a:spcAft>
+                      </a:pPr>
+                      <a:r>
+                        <a:rPr lang="en-US" sz="1000">
+                          <a:effectLst/>
+                        </a:rPr>
+                        <a:t>Order Processing Team</a:t>
+                      </a:r>
+                      <a:endParaRPr lang="en-US" sz="1100">
+                        <a:effectLst/>
+                        <a:latin typeface="Cambria"/>
+                        <a:ea typeface="Times New Roman"/>
+                        <a:cs typeface="Times New Roman"/>
+                      </a:endParaRPr>
+                    </a:p>
+                  </a:txBody>
+                  <a:tcPr marL="68580" marR="68580" marT="0" marB="0" anchor="b">
+                    <a:solidFill>
+                      <a:schemeClr val="accent2">
+                        <a:lumMod val="60000"/>
+                        <a:lumOff val="40000"/>
+                      </a:schemeClr>
+                    </a:solidFill>
+                  </a:tcPr>
+                </a:tc>
+              </a:tr>
+              <a:tr h="344233">
+                <a:tc vMerge="1">
+                  <a:txBody>
+                    <a:bodyPr/>
+                    <a:lstStyle/>
+                    <a:p>
+                      <a:endParaRPr lang="en-US"/>
+                    </a:p>
+                  </a:txBody>
+                  <a:tcPr/>
+                </a:tc>
+                <a:tc>
+                  <a:txBody>
+                    <a:bodyPr/>
+                    <a:lstStyle/>
+                    <a:p>
+                      <a:pPr marL="0" marR="0">
+                        <a:lnSpc>
+                          <a:spcPct val="105000"/>
+                        </a:lnSpc>
+                        <a:spcBef>
+                          <a:spcPts val="0"/>
+                        </a:spcBef>
+                        <a:spcAft>
+                          <a:spcPts val="0"/>
+                        </a:spcAft>
+                      </a:pPr>
+                      <a:r>
+                        <a:rPr lang="en-US" sz="1000">
+                          <a:effectLst/>
+                        </a:rPr>
+                        <a:t>ShipTrack</a:t>
+                      </a:r>
+                      <a:endParaRPr lang="en-US" sz="1100">
+                        <a:effectLst/>
+                        <a:latin typeface="Cambria"/>
+                        <a:ea typeface="Times New Roman"/>
+                        <a:cs typeface="Times New Roman"/>
+                      </a:endParaRPr>
+                    </a:p>
+                  </a:txBody>
+                  <a:tcPr marL="68580" marR="68580" marT="0" marB="0" anchor="b">
+                    <a:solidFill>
+                      <a:schemeClr val="accent2">
+                        <a:lumMod val="60000"/>
+                        <a:lumOff val="40000"/>
+                      </a:schemeClr>
+                    </a:solidFill>
+                  </a:tcPr>
+                </a:tc>
+                <a:tc>
+                  <a:txBody>
+                    <a:bodyPr/>
+                    <a:lstStyle/>
+                    <a:p>
+                      <a:pPr marL="0" marR="0">
+                        <a:lnSpc>
+                          <a:spcPct val="105000"/>
+                        </a:lnSpc>
+                        <a:spcBef>
+                          <a:spcPts val="0"/>
+                        </a:spcBef>
+                        <a:spcAft>
+                          <a:spcPts val="0"/>
+                        </a:spcAft>
+                      </a:pPr>
+                      <a:r>
+                        <a:rPr lang="en-US" sz="1000">
+                          <a:effectLst/>
+                        </a:rPr>
+                        <a:t>Order Processing Team</a:t>
+                      </a:r>
+                      <a:endParaRPr lang="en-US" sz="1100">
+                        <a:effectLst/>
+                        <a:latin typeface="Cambria"/>
+                        <a:ea typeface="Times New Roman"/>
+                        <a:cs typeface="Times New Roman"/>
+                      </a:endParaRPr>
+                    </a:p>
+                  </a:txBody>
+                  <a:tcPr marL="68580" marR="68580" marT="0" marB="0" anchor="b">
+                    <a:solidFill>
+                      <a:schemeClr val="accent2">
+                        <a:lumMod val="60000"/>
+                        <a:lumOff val="40000"/>
+                      </a:schemeClr>
+                    </a:solidFill>
+                  </a:tcPr>
+                </a:tc>
+              </a:tr>
+              <a:tr h="209813">
+                <a:tc vMerge="1">
+                  <a:txBody>
+                    <a:bodyPr/>
+                    <a:lstStyle/>
+                    <a:p>
+                      <a:endParaRPr lang="en-US"/>
+                    </a:p>
+                  </a:txBody>
+                  <a:tcPr/>
+                </a:tc>
+                <a:tc>
+                  <a:txBody>
+                    <a:bodyPr/>
+                    <a:lstStyle/>
+                    <a:p>
+                      <a:pPr marL="0" marR="0">
+                        <a:lnSpc>
+                          <a:spcPct val="105000"/>
+                        </a:lnSpc>
+                        <a:spcBef>
+                          <a:spcPts val="0"/>
+                        </a:spcBef>
+                        <a:spcAft>
+                          <a:spcPts val="0"/>
+                        </a:spcAft>
+                      </a:pPr>
+                      <a:r>
+                        <a:rPr lang="en-US" sz="1000">
+                          <a:effectLst/>
+                        </a:rPr>
+                        <a:t>IE</a:t>
+                      </a:r>
+                      <a:endParaRPr lang="en-US" sz="1100">
+                        <a:effectLst/>
+                        <a:latin typeface="Cambria"/>
+                        <a:ea typeface="Times New Roman"/>
+                        <a:cs typeface="Times New Roman"/>
+                      </a:endParaRPr>
+                    </a:p>
+                  </a:txBody>
+                  <a:tcPr marL="68580" marR="68580" marT="0" marB="0" anchor="b">
+                    <a:solidFill>
+                      <a:schemeClr val="accent2">
+                        <a:lumMod val="60000"/>
+                        <a:lumOff val="40000"/>
+                      </a:schemeClr>
+                    </a:solidFill>
+                  </a:tcPr>
+                </a:tc>
+                <a:tc>
+                  <a:txBody>
+                    <a:bodyPr/>
+                    <a:lstStyle/>
+                    <a:p>
+                      <a:pPr marL="0" marR="0">
+                        <a:lnSpc>
+                          <a:spcPct val="105000"/>
+                        </a:lnSpc>
+                        <a:spcBef>
+                          <a:spcPts val="0"/>
+                        </a:spcBef>
+                        <a:spcAft>
+                          <a:spcPts val="0"/>
+                        </a:spcAft>
+                      </a:pPr>
+                      <a:r>
+                        <a:rPr lang="en-US" sz="1000">
+                          <a:effectLst/>
+                        </a:rPr>
+                        <a:t>IT/Operations</a:t>
+                      </a:r>
+                      <a:endParaRPr lang="en-US" sz="1100">
+                        <a:effectLst/>
+                        <a:latin typeface="Cambria"/>
+                        <a:ea typeface="Times New Roman"/>
+                        <a:cs typeface="Times New Roman"/>
+                      </a:endParaRPr>
+                    </a:p>
+                  </a:txBody>
+                  <a:tcPr marL="68580" marR="68580" marT="0" marB="0" anchor="b">
+                    <a:solidFill>
+                      <a:schemeClr val="accent2">
+                        <a:lumMod val="60000"/>
+                        <a:lumOff val="40000"/>
+                      </a:schemeClr>
+                    </a:solidFill>
+                  </a:tcPr>
+                </a:tc>
+              </a:tr>
+              <a:tr h="344233">
+                <a:tc vMerge="1">
+                  <a:txBody>
+                    <a:bodyPr/>
+                    <a:lstStyle/>
+                    <a:p>
+                      <a:endParaRPr lang="en-US"/>
+                    </a:p>
+                  </a:txBody>
+                  <a:tcPr/>
+                </a:tc>
+                <a:tc>
+                  <a:txBody>
+                    <a:bodyPr/>
+                    <a:lstStyle/>
+                    <a:p>
+                      <a:pPr marL="0" marR="0">
+                        <a:lnSpc>
+                          <a:spcPct val="105000"/>
+                        </a:lnSpc>
+                        <a:spcBef>
+                          <a:spcPts val="0"/>
+                        </a:spcBef>
+                        <a:spcAft>
+                          <a:spcPts val="0"/>
+                        </a:spcAft>
+                      </a:pPr>
+                      <a:r>
+                        <a:rPr lang="en-US" sz="1000">
+                          <a:effectLst/>
+                        </a:rPr>
+                        <a:t>Web portal</a:t>
+                      </a:r>
+                      <a:endParaRPr lang="en-US" sz="1100">
+                        <a:effectLst/>
+                        <a:latin typeface="Cambria"/>
+                        <a:ea typeface="Times New Roman"/>
+                        <a:cs typeface="Times New Roman"/>
+                      </a:endParaRPr>
+                    </a:p>
+                  </a:txBody>
+                  <a:tcPr marL="68580" marR="68580" marT="0" marB="0" anchor="b">
+                    <a:solidFill>
+                      <a:schemeClr val="accent2">
+                        <a:lumMod val="60000"/>
+                        <a:lumOff val="40000"/>
+                      </a:schemeClr>
+                    </a:solidFill>
+                  </a:tcPr>
+                </a:tc>
+                <a:tc>
+                  <a:txBody>
+                    <a:bodyPr/>
+                    <a:lstStyle/>
+                    <a:p>
+                      <a:pPr marL="0" marR="0">
+                        <a:lnSpc>
+                          <a:spcPct val="105000"/>
+                        </a:lnSpc>
+                        <a:spcBef>
+                          <a:spcPts val="0"/>
+                        </a:spcBef>
+                        <a:spcAft>
+                          <a:spcPts val="0"/>
+                        </a:spcAft>
+                      </a:pPr>
+                      <a:r>
+                        <a:rPr lang="en-US" sz="1000">
+                          <a:effectLst/>
+                        </a:rPr>
+                        <a:t>Order Processing Team</a:t>
+                      </a:r>
+                      <a:endParaRPr lang="en-US" sz="1100">
+                        <a:effectLst/>
+                        <a:latin typeface="Cambria"/>
+                        <a:ea typeface="Times New Roman"/>
+                        <a:cs typeface="Times New Roman"/>
+                      </a:endParaRPr>
+                    </a:p>
+                  </a:txBody>
+                  <a:tcPr marL="68580" marR="68580" marT="0" marB="0" anchor="b">
+                    <a:solidFill>
+                      <a:schemeClr val="accent2">
+                        <a:lumMod val="60000"/>
+                        <a:lumOff val="40000"/>
+                      </a:schemeClr>
+                    </a:solidFill>
+                  </a:tcPr>
+                </a:tc>
+              </a:tr>
+              <a:tr h="344233">
+                <a:tc vMerge="1">
+                  <a:txBody>
+                    <a:bodyPr/>
+                    <a:lstStyle/>
+                    <a:p>
+                      <a:endParaRPr lang="en-US"/>
+                    </a:p>
+                  </a:txBody>
+                  <a:tcPr/>
+                </a:tc>
+                <a:tc>
+                  <a:txBody>
+                    <a:bodyPr/>
+                    <a:lstStyle/>
+                    <a:p>
+                      <a:pPr marL="0" marR="0">
+                        <a:lnSpc>
+                          <a:spcPct val="105000"/>
+                        </a:lnSpc>
+                        <a:spcBef>
+                          <a:spcPts val="0"/>
+                        </a:spcBef>
+                        <a:spcAft>
+                          <a:spcPts val="0"/>
+                        </a:spcAft>
+                      </a:pPr>
+                      <a:r>
+                        <a:rPr lang="en-US" sz="1000">
+                          <a:effectLst/>
+                        </a:rPr>
+                        <a:t>Reports</a:t>
+                      </a:r>
+                      <a:endParaRPr lang="en-US" sz="1100">
+                        <a:effectLst/>
+                        <a:latin typeface="Cambria"/>
+                        <a:ea typeface="Times New Roman"/>
+                        <a:cs typeface="Times New Roman"/>
+                      </a:endParaRPr>
+                    </a:p>
+                  </a:txBody>
+                  <a:tcPr marL="68580" marR="68580" marT="0" marB="0" anchor="b">
+                    <a:solidFill>
+                      <a:schemeClr val="accent2">
+                        <a:lumMod val="60000"/>
+                        <a:lumOff val="40000"/>
+                      </a:schemeClr>
+                    </a:solidFill>
+                  </a:tcPr>
+                </a:tc>
+                <a:tc>
+                  <a:txBody>
+                    <a:bodyPr/>
+                    <a:lstStyle/>
+                    <a:p>
+                      <a:pPr marL="0" marR="0">
+                        <a:lnSpc>
+                          <a:spcPct val="105000"/>
+                        </a:lnSpc>
+                        <a:spcBef>
+                          <a:spcPts val="0"/>
+                        </a:spcBef>
+                        <a:spcAft>
+                          <a:spcPts val="0"/>
+                        </a:spcAft>
+                      </a:pPr>
+                      <a:r>
+                        <a:rPr lang="en-US" sz="1000" dirty="0">
+                          <a:effectLst/>
+                        </a:rPr>
+                        <a:t>Order Processing Team</a:t>
+                      </a:r>
+                      <a:endParaRPr lang="en-US" sz="1100" dirty="0">
+                        <a:effectLst/>
+                        <a:latin typeface="Cambria"/>
+                        <a:ea typeface="Times New Roman"/>
+                        <a:cs typeface="Times New Roman"/>
+                      </a:endParaRPr>
+                    </a:p>
+                  </a:txBody>
+                  <a:tcPr marL="68580" marR="68580" marT="0" marB="0" anchor="b">
+                    <a:solidFill>
+                      <a:schemeClr val="accent2">
+                        <a:lumMod val="60000"/>
+                        <a:lumOff val="40000"/>
+                      </a:schemeClr>
+                    </a:solidFill>
+                  </a:tcPr>
+                </a:tc>
+              </a:tr>
+              <a:tr h="209813">
+                <a:tc rowSpan="5">
+                  <a:txBody>
+                    <a:bodyPr/>
+                    <a:lstStyle/>
+                    <a:p>
+                      <a:pPr marL="0" marR="0" algn="ctr">
+                        <a:lnSpc>
+                          <a:spcPct val="105000"/>
+                        </a:lnSpc>
+                        <a:spcBef>
+                          <a:spcPts val="0"/>
+                        </a:spcBef>
+                        <a:spcAft>
+                          <a:spcPts val="0"/>
+                        </a:spcAft>
+                      </a:pPr>
+                      <a:r>
+                        <a:rPr lang="en-US" sz="2000">
+                          <a:effectLst/>
+                        </a:rPr>
+                        <a:t>Phase 3</a:t>
+                      </a:r>
+                      <a:endParaRPr lang="en-US" sz="1100">
+                        <a:effectLst/>
+                        <a:latin typeface="Cambria"/>
+                        <a:ea typeface="Times New Roman"/>
+                        <a:cs typeface="Times New Roman"/>
+                      </a:endParaRPr>
+                    </a:p>
+                  </a:txBody>
+                  <a:tcPr marL="68580" marR="68580" marT="0" marB="0" vert="vert270" anchor="b"/>
+                </a:tc>
+                <a:tc>
+                  <a:txBody>
+                    <a:bodyPr/>
+                    <a:lstStyle/>
+                    <a:p>
+                      <a:pPr marL="0" marR="0">
+                        <a:lnSpc>
+                          <a:spcPct val="105000"/>
+                        </a:lnSpc>
+                        <a:spcBef>
+                          <a:spcPts val="0"/>
+                        </a:spcBef>
+                        <a:spcAft>
+                          <a:spcPts val="0"/>
+                        </a:spcAft>
+                      </a:pPr>
+                      <a:r>
+                        <a:rPr lang="en-US" sz="1000" dirty="0">
+                          <a:effectLst/>
+                        </a:rPr>
+                        <a:t>MQ HRS</a:t>
+                      </a:r>
+                      <a:endParaRPr lang="en-US" sz="1100" dirty="0">
+                        <a:effectLst/>
+                        <a:latin typeface="Cambria"/>
+                        <a:ea typeface="Times New Roman"/>
+                        <a:cs typeface="Times New Roman"/>
+                      </a:endParaRPr>
+                    </a:p>
+                  </a:txBody>
+                  <a:tcPr marL="68580" marR="68580" marT="0" marB="0" anchor="b">
+                    <a:solidFill>
+                      <a:schemeClr val="bg2">
+                        <a:lumMod val="75000"/>
+                      </a:schemeClr>
+                    </a:solidFill>
+                  </a:tcPr>
+                </a:tc>
+                <a:tc>
+                  <a:txBody>
+                    <a:bodyPr/>
+                    <a:lstStyle/>
+                    <a:p>
+                      <a:pPr marL="0" marR="0">
+                        <a:lnSpc>
+                          <a:spcPct val="105000"/>
+                        </a:lnSpc>
+                        <a:spcBef>
+                          <a:spcPts val="0"/>
+                        </a:spcBef>
+                        <a:spcAft>
+                          <a:spcPts val="0"/>
+                        </a:spcAft>
+                      </a:pPr>
+                      <a:r>
+                        <a:rPr lang="en-US" sz="1000" dirty="0">
+                          <a:effectLst/>
+                        </a:rPr>
+                        <a:t>HR &amp; Finance Team</a:t>
+                      </a:r>
+                      <a:endParaRPr lang="en-US" sz="1100" dirty="0">
+                        <a:effectLst/>
+                        <a:latin typeface="Cambria"/>
+                        <a:ea typeface="Times New Roman"/>
+                        <a:cs typeface="Times New Roman"/>
+                      </a:endParaRPr>
+                    </a:p>
+                  </a:txBody>
+                  <a:tcPr marL="68580" marR="68580" marT="0" marB="0" anchor="b">
+                    <a:solidFill>
+                      <a:schemeClr val="bg2">
+                        <a:lumMod val="75000"/>
+                      </a:schemeClr>
+                    </a:solidFill>
+                  </a:tcPr>
+                </a:tc>
+              </a:tr>
+              <a:tr h="209813">
+                <a:tc vMerge="1">
+                  <a:txBody>
+                    <a:bodyPr/>
+                    <a:lstStyle/>
+                    <a:p>
+                      <a:endParaRPr lang="en-US"/>
+                    </a:p>
+                  </a:txBody>
+                  <a:tcPr/>
+                </a:tc>
+                <a:tc>
+                  <a:txBody>
+                    <a:bodyPr/>
+                    <a:lstStyle/>
+                    <a:p>
+                      <a:pPr marL="0" marR="0">
+                        <a:lnSpc>
+                          <a:spcPct val="105000"/>
+                        </a:lnSpc>
+                        <a:spcBef>
+                          <a:spcPts val="0"/>
+                        </a:spcBef>
+                        <a:spcAft>
+                          <a:spcPts val="0"/>
+                        </a:spcAft>
+                      </a:pPr>
+                      <a:r>
+                        <a:rPr lang="en-US" sz="1000">
+                          <a:effectLst/>
+                        </a:rPr>
+                        <a:t>MQ AFIS</a:t>
+                      </a:r>
+                      <a:endParaRPr lang="en-US" sz="1100">
+                        <a:effectLst/>
+                        <a:latin typeface="Cambria"/>
+                        <a:ea typeface="Times New Roman"/>
+                        <a:cs typeface="Times New Roman"/>
+                      </a:endParaRPr>
+                    </a:p>
+                  </a:txBody>
+                  <a:tcPr marL="68580" marR="68580" marT="0" marB="0" anchor="b">
+                    <a:solidFill>
+                      <a:schemeClr val="bg2">
+                        <a:lumMod val="75000"/>
+                      </a:schemeClr>
+                    </a:solidFill>
+                  </a:tcPr>
+                </a:tc>
+                <a:tc>
+                  <a:txBody>
+                    <a:bodyPr/>
+                    <a:lstStyle/>
+                    <a:p>
+                      <a:pPr marL="0" marR="0">
+                        <a:lnSpc>
+                          <a:spcPct val="105000"/>
+                        </a:lnSpc>
+                        <a:spcBef>
+                          <a:spcPts val="0"/>
+                        </a:spcBef>
+                        <a:spcAft>
+                          <a:spcPts val="0"/>
+                        </a:spcAft>
+                      </a:pPr>
+                      <a:r>
+                        <a:rPr lang="en-US" sz="1000">
+                          <a:effectLst/>
+                        </a:rPr>
+                        <a:t>HR &amp; Finance Team</a:t>
+                      </a:r>
+                      <a:endParaRPr lang="en-US" sz="1100">
+                        <a:effectLst/>
+                        <a:latin typeface="Cambria"/>
+                        <a:ea typeface="Times New Roman"/>
+                        <a:cs typeface="Times New Roman"/>
+                      </a:endParaRPr>
+                    </a:p>
+                  </a:txBody>
+                  <a:tcPr marL="68580" marR="68580" marT="0" marB="0" anchor="b">
+                    <a:solidFill>
+                      <a:schemeClr val="bg2">
+                        <a:lumMod val="75000"/>
+                      </a:schemeClr>
+                    </a:solidFill>
+                  </a:tcPr>
+                </a:tc>
+              </a:tr>
+              <a:tr h="209813">
+                <a:tc vMerge="1">
+                  <a:txBody>
+                    <a:bodyPr/>
+                    <a:lstStyle/>
+                    <a:p>
+                      <a:endParaRPr lang="en-US"/>
+                    </a:p>
+                  </a:txBody>
+                  <a:tcPr/>
+                </a:tc>
+                <a:tc>
+                  <a:txBody>
+                    <a:bodyPr/>
+                    <a:lstStyle/>
+                    <a:p>
+                      <a:pPr marL="0" marR="0">
+                        <a:lnSpc>
+                          <a:spcPct val="105000"/>
+                        </a:lnSpc>
+                        <a:spcBef>
+                          <a:spcPts val="0"/>
+                        </a:spcBef>
+                        <a:spcAft>
+                          <a:spcPts val="0"/>
+                        </a:spcAft>
+                      </a:pPr>
+                      <a:r>
+                        <a:rPr lang="en-US" sz="1000">
+                          <a:effectLst/>
+                        </a:rPr>
+                        <a:t>IE</a:t>
+                      </a:r>
+                      <a:endParaRPr lang="en-US" sz="1100">
+                        <a:effectLst/>
+                        <a:latin typeface="Cambria"/>
+                        <a:ea typeface="Times New Roman"/>
+                        <a:cs typeface="Times New Roman"/>
+                      </a:endParaRPr>
+                    </a:p>
+                  </a:txBody>
+                  <a:tcPr marL="68580" marR="68580" marT="0" marB="0" anchor="b">
+                    <a:solidFill>
+                      <a:schemeClr val="bg2">
+                        <a:lumMod val="75000"/>
+                      </a:schemeClr>
+                    </a:solidFill>
+                  </a:tcPr>
+                </a:tc>
+                <a:tc>
+                  <a:txBody>
+                    <a:bodyPr/>
+                    <a:lstStyle/>
+                    <a:p>
+                      <a:pPr marL="0" marR="0">
+                        <a:lnSpc>
+                          <a:spcPct val="105000"/>
+                        </a:lnSpc>
+                        <a:spcBef>
+                          <a:spcPts val="0"/>
+                        </a:spcBef>
+                        <a:spcAft>
+                          <a:spcPts val="0"/>
+                        </a:spcAft>
+                      </a:pPr>
+                      <a:r>
+                        <a:rPr lang="en-US" sz="1000">
+                          <a:effectLst/>
+                        </a:rPr>
+                        <a:t>IT/Operations</a:t>
+                      </a:r>
+                      <a:endParaRPr lang="en-US" sz="1100">
+                        <a:effectLst/>
+                        <a:latin typeface="Cambria"/>
+                        <a:ea typeface="Times New Roman"/>
+                        <a:cs typeface="Times New Roman"/>
+                      </a:endParaRPr>
+                    </a:p>
+                  </a:txBody>
+                  <a:tcPr marL="68580" marR="68580" marT="0" marB="0" anchor="b">
+                    <a:solidFill>
+                      <a:schemeClr val="bg2">
+                        <a:lumMod val="75000"/>
+                      </a:schemeClr>
+                    </a:solidFill>
+                  </a:tcPr>
+                </a:tc>
+              </a:tr>
+              <a:tr h="209813">
+                <a:tc vMerge="1">
+                  <a:txBody>
+                    <a:bodyPr/>
+                    <a:lstStyle/>
+                    <a:p>
+                      <a:endParaRPr lang="en-US"/>
+                    </a:p>
+                  </a:txBody>
+                  <a:tcPr/>
+                </a:tc>
+                <a:tc>
+                  <a:txBody>
+                    <a:bodyPr/>
+                    <a:lstStyle/>
+                    <a:p>
+                      <a:pPr marL="0" marR="0">
+                        <a:lnSpc>
+                          <a:spcPct val="105000"/>
+                        </a:lnSpc>
+                        <a:spcBef>
+                          <a:spcPts val="0"/>
+                        </a:spcBef>
+                        <a:spcAft>
+                          <a:spcPts val="0"/>
+                        </a:spcAft>
+                      </a:pPr>
+                      <a:r>
+                        <a:rPr lang="en-US" sz="1000">
+                          <a:effectLst/>
+                        </a:rPr>
+                        <a:t>Web portal</a:t>
+                      </a:r>
+                      <a:endParaRPr lang="en-US" sz="1100">
+                        <a:effectLst/>
+                        <a:latin typeface="Cambria"/>
+                        <a:ea typeface="Times New Roman"/>
+                        <a:cs typeface="Times New Roman"/>
+                      </a:endParaRPr>
+                    </a:p>
+                  </a:txBody>
+                  <a:tcPr marL="68580" marR="68580" marT="0" marB="0" anchor="b">
+                    <a:solidFill>
+                      <a:schemeClr val="bg2">
+                        <a:lumMod val="75000"/>
+                      </a:schemeClr>
+                    </a:solidFill>
+                  </a:tcPr>
+                </a:tc>
+                <a:tc>
+                  <a:txBody>
+                    <a:bodyPr/>
+                    <a:lstStyle/>
+                    <a:p>
+                      <a:pPr marL="0" marR="0">
+                        <a:lnSpc>
+                          <a:spcPct val="105000"/>
+                        </a:lnSpc>
+                        <a:spcBef>
+                          <a:spcPts val="0"/>
+                        </a:spcBef>
+                        <a:spcAft>
+                          <a:spcPts val="0"/>
+                        </a:spcAft>
+                      </a:pPr>
+                      <a:r>
+                        <a:rPr lang="en-US" sz="1000">
+                          <a:effectLst/>
+                        </a:rPr>
+                        <a:t>HR &amp; Finance Team</a:t>
+                      </a:r>
+                      <a:endParaRPr lang="en-US" sz="1100">
+                        <a:effectLst/>
+                        <a:latin typeface="Cambria"/>
+                        <a:ea typeface="Times New Roman"/>
+                        <a:cs typeface="Times New Roman"/>
+                      </a:endParaRPr>
+                    </a:p>
+                  </a:txBody>
+                  <a:tcPr marL="68580" marR="68580" marT="0" marB="0" anchor="b">
+                    <a:solidFill>
+                      <a:schemeClr val="bg2">
+                        <a:lumMod val="75000"/>
+                      </a:schemeClr>
+                    </a:solidFill>
+                  </a:tcPr>
+                </a:tc>
+              </a:tr>
+              <a:tr h="220304">
+                <a:tc vMerge="1">
+                  <a:txBody>
+                    <a:bodyPr/>
+                    <a:lstStyle/>
+                    <a:p>
+                      <a:endParaRPr lang="en-US"/>
+                    </a:p>
+                  </a:txBody>
+                  <a:tcPr/>
+                </a:tc>
+                <a:tc>
+                  <a:txBody>
+                    <a:bodyPr/>
+                    <a:lstStyle/>
+                    <a:p>
+                      <a:pPr marL="0" marR="0">
+                        <a:lnSpc>
+                          <a:spcPct val="105000"/>
+                        </a:lnSpc>
+                        <a:spcBef>
+                          <a:spcPts val="0"/>
+                        </a:spcBef>
+                        <a:spcAft>
+                          <a:spcPts val="0"/>
+                        </a:spcAft>
+                      </a:pPr>
+                      <a:r>
+                        <a:rPr lang="en-US" sz="1000">
+                          <a:effectLst/>
+                        </a:rPr>
+                        <a:t>Reports</a:t>
+                      </a:r>
+                      <a:endParaRPr lang="en-US" sz="1100">
+                        <a:effectLst/>
+                        <a:latin typeface="Cambria"/>
+                        <a:ea typeface="Times New Roman"/>
+                        <a:cs typeface="Times New Roman"/>
+                      </a:endParaRPr>
+                    </a:p>
+                  </a:txBody>
+                  <a:tcPr marL="68580" marR="68580" marT="0" marB="0" anchor="b">
+                    <a:solidFill>
+                      <a:schemeClr val="bg2">
+                        <a:lumMod val="75000"/>
+                      </a:schemeClr>
+                    </a:solidFill>
+                  </a:tcPr>
+                </a:tc>
+                <a:tc>
+                  <a:txBody>
+                    <a:bodyPr/>
+                    <a:lstStyle/>
+                    <a:p>
+                      <a:pPr marL="0" marR="0">
+                        <a:lnSpc>
+                          <a:spcPct val="105000"/>
+                        </a:lnSpc>
+                        <a:spcBef>
+                          <a:spcPts val="0"/>
+                        </a:spcBef>
+                        <a:spcAft>
+                          <a:spcPts val="0"/>
+                        </a:spcAft>
+                      </a:pPr>
+                      <a:r>
+                        <a:rPr lang="en-US" sz="1000" dirty="0">
+                          <a:effectLst/>
+                        </a:rPr>
+                        <a:t>HR &amp; Finance Team</a:t>
+                      </a:r>
+                      <a:endParaRPr lang="en-US" sz="1100" dirty="0">
+                        <a:effectLst/>
+                        <a:latin typeface="Cambria"/>
+                        <a:ea typeface="Times New Roman"/>
+                        <a:cs typeface="Times New Roman"/>
+                      </a:endParaRPr>
+                    </a:p>
+                  </a:txBody>
+                  <a:tcPr marL="68580" marR="68580" marT="0" marB="0" anchor="b">
+                    <a:solidFill>
+                      <a:schemeClr val="bg2">
+                        <a:lumMod val="75000"/>
+                      </a:schemeClr>
+                    </a:solidFill>
+                  </a:tcPr>
+                </a:tc>
+              </a:tr>
+            </a:tbl>
+          </a:graphicData>
+        </a:graphic>
+      </p:graphicFrame>
+    </p:spTree>
+    <p:extLst>
+      <p:ext uri="{BB962C8B-B14F-4D97-AF65-F5344CB8AC3E}">
+        <p14:creationId xmlns:p14="http://schemas.microsoft.com/office/powerpoint/2010/main" val="1460445724"/>
+      </p:ext>
+    </p:extLst>
+  </p:cSld>
+  <p:clrMapOvr>
+    <a:masterClrMapping/>
+  </p:clrMapOvr>
+</p:sld>
+</file>
+
+<file path=ppt/slides/slide6.xml><?xml version="1.0" encoding="utf-8"?>
+<p:sld xmlns:a="http://schemas.openxmlformats.org/drawingml/2006/main" xmlns:r="http://schemas.openxmlformats.org/officeDocument/2006/relationships" xmlns:p="http://schemas.openxmlformats.org/presentationml/2006/main">
+  <p:cSld>
+    <p:spTree>
+      <p:nvGrpSpPr>
+        <p:cNvPr id="1" name=""/>
+        <p:cNvGrpSpPr/>
+        <p:nvPr/>
+      </p:nvGrpSpPr>
+      <p:grpSpPr>
+        <a:xfrm>
+          <a:off x="0" y="0"/>
+          <a:ext cx="0" cy="0"/>
+          <a:chOff x="0" y="0"/>
+          <a:chExt cx="0" cy="0"/>
+        </a:xfrm>
+      </p:grpSpPr>
+      <p:sp>
+        <p:nvSpPr>
+          <p:cNvPr id="2" name="Rectangle 2"/>
+          <p:cNvSpPr>
+            <a:spLocks noChangeArrowheads="1"/>
+          </p:cNvSpPr>
+          <p:nvPr/>
+        </p:nvSpPr>
+        <p:spPr bwMode="auto">
+          <a:xfrm>
+            <a:off x="0" y="0"/>
+            <a:ext cx="9144000" cy="0"/>
+          </a:xfrm>
+          <a:prstGeom prst="rect">
+            <a:avLst/>
+          </a:prstGeom>
+          <a:noFill/>
+          <a:ln>
+            <a:noFill/>
+          </a:ln>
+          <a:effectLst/>
+          <a:extLst>
+            <a:ext uri="{909E8E84-426E-40DD-AFC4-6F175D3DCCD1}">
+              <a14:hiddenFill xmlns:a14="http://schemas.microsoft.com/office/drawing/2010/main">
+                <a:solidFill>
+                  <a:schemeClr val="accent1"/>
+                </a:solidFill>
+              </a14:hiddenFill>
+            </a:ext>
+            <a:ext uri="{91240B29-F687-4F45-9708-019B960494DF}">
+              <a14:hiddenLine xmlns:a14="http://schemas.microsoft.com/office/drawing/2010/main" w="9525">
+                <a:solidFill>
+                  <a:schemeClr val="tx1"/>
+                </a:solidFill>
+                <a:miter lim="800000"/>
+                <a:headEnd/>
+                <a:tailEnd/>
+              </a14:hiddenLine>
+            </a:ext>
+            <a:ext uri="{AF507438-7753-43E0-B8FC-AC1667EBCBE1}">
+              <a14:hiddenEffects xmlns:a14="http://schemas.microsoft.com/office/drawing/2010/main">
+                <a:effectLst>
+                  <a:outerShdw dist="35921" dir="2700000" algn="ctr" rotWithShape="0">
+                    <a:schemeClr val="bg2"/>
+                  </a:outerShdw>
+                </a:effectLst>
+              </a14:hiddenEffects>
+            </a:ext>
+          </a:extLst>
+        </p:spPr>
+        <p:txBody>
+          <a:bodyPr vert="horz" wrap="none" lIns="91440" tIns="45720" rIns="91440" bIns="45720" numCol="1" anchor="ctr" anchorCtr="0" compatLnSpc="1">
+            <a:prstTxWarp prst="textNoShape">
+              <a:avLst/>
+            </a:prstTxWarp>
+            <a:spAutoFit/>
+          </a:bodyPr>
+          <a:lstStyle/>
+          <a:p>
+            <a:endParaRPr lang="en-US"/>
+          </a:p>
+        </p:txBody>
+      </p:sp>
+      <p:graphicFrame>
+        <p:nvGraphicFramePr>
+          <p:cNvPr id="3" name="Object 2"/>
+          <p:cNvGraphicFramePr>
+            <a:graphicFrameLocks noChangeAspect="1"/>
+          </p:cNvGraphicFramePr>
+          <p:nvPr>
+            <p:extLst>
+              <p:ext uri="{D42A27DB-BD31-4B8C-83A1-F6EECF244321}">
+                <p14:modId xmlns:p14="http://schemas.microsoft.com/office/powerpoint/2010/main" val="1804977777"/>
+              </p:ext>
+            </p:extLst>
+          </p:nvPr>
+        </p:nvGraphicFramePr>
+        <p:xfrm>
+          <a:off x="527901" y="1222619"/>
+          <a:ext cx="8082699" cy="5025781"/>
+        </p:xfrm>
+        <a:graphic>
+          <a:graphicData uri="http://schemas.openxmlformats.org/presentationml/2006/ole">
+            <mc:AlternateContent xmlns:mc="http://schemas.openxmlformats.org/markup-compatibility/2006">
+              <mc:Choice xmlns:v="urn:schemas-microsoft-com:vml" Requires="v">
+                <p:oleObj spid="_x0000_s4100" name="Visio" r:id="rId3" imgW="9660494" imgH="6002910" progId="Visio.Drawing.11">
+                  <p:embed/>
+                </p:oleObj>
+              </mc:Choice>
+              <mc:Fallback>
+                <p:oleObj name="Visio" r:id="rId3" imgW="9660494" imgH="6002910" progId="Visio.Drawing.11">
+                  <p:embed/>
+                  <p:pic>
+                    <p:nvPicPr>
+                      <p:cNvPr id="0" name="Object 1"/>
+                      <p:cNvPicPr>
+                        <a:picLocks noChangeAspect="1" noChangeArrowheads="1"/>
+                      </p:cNvPicPr>
+                      <p:nvPr/>
+                    </p:nvPicPr>
+                    <p:blipFill>
+                      <a:blip r:embed="rId4">
+                        <a:extLst>
+                          <a:ext uri="{28A0092B-C50C-407E-A947-70E740481C1C}">
+                            <a14:useLocalDpi xmlns:a14="http://schemas.microsoft.com/office/drawing/2010/main" val="0"/>
+                          </a:ext>
+                        </a:extLst>
+                      </a:blip>
+                      <a:srcRect/>
+                      <a:stretch>
+                        <a:fillRect/>
+                      </a:stretch>
+                    </p:blipFill>
+                    <p:spPr bwMode="auto">
+                      <a:xfrm>
+                        <a:off x="527901" y="1222619"/>
+                        <a:ext cx="8082699" cy="5025781"/>
+                      </a:xfrm>
+                      <a:prstGeom prst="rect">
+                        <a:avLst/>
+                      </a:prstGeom>
+                      <a:noFill/>
+                    </p:spPr>
+                  </p:pic>
+                </p:oleObj>
+              </mc:Fallback>
+            </mc:AlternateContent>
+          </a:graphicData>
+        </a:graphic>
+      </p:graphicFrame>
+    </p:spTree>
+    <p:extLst>
+      <p:ext uri="{BB962C8B-B14F-4D97-AF65-F5344CB8AC3E}">
+        <p14:creationId xmlns:p14="http://schemas.microsoft.com/office/powerpoint/2010/main" val="1921760543"/>
       </p:ext>
     </p:extLst>
   </p:cSld>
